--- a/Datasheets/Gyro_system.pptx
+++ b/Datasheets/Gyro_system.pptx
@@ -6,6 +6,7 @@
   </p:sldMasterIdLst>
   <p:sldIdLst>
     <p:sldId id="256" r:id="rId2"/>
+    <p:sldId id="257" r:id="rId3"/>
   </p:sldIdLst>
   <p:sldSz cx="9144000" cy="6858000" type="screen4x3"/>
   <p:notesSz cx="6894513" cy="9180513"/>
@@ -4232,7 +4233,7 @@
             <a:graphicData uri="http://schemas.openxmlformats.org/presentationml/2006/ole">
               <mc:AlternateContent xmlns:mc="http://schemas.openxmlformats.org/markup-compatibility/2006">
                 <mc:Choice xmlns:v="urn:schemas-microsoft-com:vml" Requires="v">
-                  <p:oleObj spid="_x0000_s1040" name="Equation" r:id="rId3" imgW="228600" imgH="228600" progId="Equation.DSMT4">
+                  <p:oleObj spid="_x0000_s1055" name="Equation" r:id="rId3" imgW="228600" imgH="228600" progId="Equation.DSMT4">
                     <p:embed/>
                   </p:oleObj>
                 </mc:Choice>
@@ -4354,7 +4355,7 @@
           <a:graphicData uri="http://schemas.openxmlformats.org/presentationml/2006/ole">
             <mc:AlternateContent xmlns:mc="http://schemas.openxmlformats.org/markup-compatibility/2006">
               <mc:Choice xmlns:v="urn:schemas-microsoft-com:vml" Requires="v">
-                <p:oleObj spid="_x0000_s1041" name="Equation" r:id="rId5" imgW="1282680" imgH="279360" progId="Equation.DSMT4">
+                <p:oleObj spid="_x0000_s1056" name="Equation" r:id="rId5" imgW="1282680" imgH="279360" progId="Equation.DSMT4">
                   <p:embed/>
                 </p:oleObj>
               </mc:Choice>
@@ -4411,7 +4412,7 @@
           <a:graphicData uri="http://schemas.openxmlformats.org/presentationml/2006/ole">
             <mc:AlternateContent xmlns:mc="http://schemas.openxmlformats.org/markup-compatibility/2006">
               <mc:Choice xmlns:v="urn:schemas-microsoft-com:vml" Requires="v">
-                <p:oleObj spid="_x0000_s1042" name="Equation" r:id="rId7" imgW="1625400" imgH="253800" progId="Equation.DSMT4">
+                <p:oleObj spid="_x0000_s1057" name="Equation" r:id="rId7" imgW="1625400" imgH="253800" progId="Equation.DSMT4">
                   <p:embed/>
                 </p:oleObj>
               </mc:Choice>
@@ -4468,7 +4469,7 @@
           <a:graphicData uri="http://schemas.openxmlformats.org/presentationml/2006/ole">
             <mc:AlternateContent xmlns:mc="http://schemas.openxmlformats.org/markup-compatibility/2006">
               <mc:Choice xmlns:v="urn:schemas-microsoft-com:vml" Requires="v">
-                <p:oleObj spid="_x0000_s1043" name="Equation" r:id="rId9" imgW="1384200" imgH="241200" progId="Equation.DSMT4">
+                <p:oleObj spid="_x0000_s1058" name="Equation" r:id="rId9" imgW="1384200" imgH="241200" progId="Equation.DSMT4">
                   <p:embed/>
                 </p:oleObj>
               </mc:Choice>
@@ -4525,7 +4526,7 @@
           <a:graphicData uri="http://schemas.openxmlformats.org/presentationml/2006/ole">
             <mc:AlternateContent xmlns:mc="http://schemas.openxmlformats.org/markup-compatibility/2006">
               <mc:Choice xmlns:v="urn:schemas-microsoft-com:vml" Requires="v">
-                <p:oleObj spid="_x0000_s1044" name="Equation" r:id="rId11" imgW="901440" imgH="279360" progId="Equation.DSMT4">
+                <p:oleObj spid="_x0000_s1059" name="Equation" r:id="rId11" imgW="901440" imgH="279360" progId="Equation.DSMT4">
                   <p:embed/>
                 </p:oleObj>
               </mc:Choice>
@@ -4564,6 +4565,869 @@
     <p:extLst>
       <p:ext uri="{BB962C8B-B14F-4D97-AF65-F5344CB8AC3E}">
         <p14:creationId xmlns:p14="http://schemas.microsoft.com/office/powerpoint/2010/main" val="2096191747"/>
+      </p:ext>
+    </p:extLst>
+  </p:cSld>
+  <p:clrMapOvr>
+    <a:masterClrMapping/>
+  </p:clrMapOvr>
+</p:sld>
+</file>
+
+<file path=ppt/slides/slide2.xml><?xml version="1.0" encoding="utf-8"?>
+<p:sld xmlns:a="http://schemas.openxmlformats.org/drawingml/2006/main" xmlns:r="http://schemas.openxmlformats.org/officeDocument/2006/relationships" xmlns:p="http://schemas.openxmlformats.org/presentationml/2006/main">
+  <p:cSld>
+    <p:spTree>
+      <p:nvGrpSpPr>
+        <p:cNvPr id="1" name=""/>
+        <p:cNvGrpSpPr/>
+        <p:nvPr/>
+      </p:nvGrpSpPr>
+      <p:grpSpPr>
+        <a:xfrm>
+          <a:off x="0" y="0"/>
+          <a:ext cx="0" cy="0"/>
+          <a:chOff x="0" y="0"/>
+          <a:chExt cx="0" cy="0"/>
+        </a:xfrm>
+      </p:grpSpPr>
+      <p:grpSp>
+        <p:nvGrpSpPr>
+          <p:cNvPr id="14" name="Group 13"/>
+          <p:cNvGrpSpPr/>
+          <p:nvPr/>
+        </p:nvGrpSpPr>
+        <p:grpSpPr>
+          <a:xfrm>
+            <a:off x="1651783" y="1370905"/>
+            <a:ext cx="1981200" cy="1295400"/>
+            <a:chOff x="3276600" y="914400"/>
+            <a:chExt cx="1981200" cy="1295400"/>
+          </a:xfrm>
+        </p:grpSpPr>
+        <p:sp>
+          <p:nvSpPr>
+            <p:cNvPr id="6" name="Rectangle 5"/>
+            <p:cNvSpPr/>
+            <p:nvPr/>
+          </p:nvSpPr>
+          <p:spPr>
+            <a:xfrm>
+              <a:off x="3276600" y="914400"/>
+              <a:ext cx="1981200" cy="1295400"/>
+            </a:xfrm>
+            <a:prstGeom prst="rect">
+              <a:avLst/>
+            </a:prstGeom>
+            <a:noFill/>
+          </p:spPr>
+          <p:style>
+            <a:lnRef idx="2">
+              <a:schemeClr val="accent1">
+                <a:shade val="50000"/>
+              </a:schemeClr>
+            </a:lnRef>
+            <a:fillRef idx="1">
+              <a:schemeClr val="accent1"/>
+            </a:fillRef>
+            <a:effectRef idx="0">
+              <a:schemeClr val="accent1"/>
+            </a:effectRef>
+            <a:fontRef idx="minor">
+              <a:schemeClr val="lt1"/>
+            </a:fontRef>
+          </p:style>
+          <p:txBody>
+            <a:bodyPr rot="0" spcFirstLastPara="0" vertOverflow="overflow" horzOverflow="overflow" vert="horz" wrap="square" lIns="91440" tIns="45720" rIns="91440" bIns="45720" numCol="1" spcCol="0" rtlCol="0" fromWordArt="0" anchor="ctr" anchorCtr="0" forceAA="0" compatLnSpc="1">
+              <a:prstTxWarp prst="textNoShape">
+                <a:avLst/>
+              </a:prstTxWarp>
+              <a:noAutofit/>
+            </a:bodyPr>
+            <a:lstStyle/>
+            <a:p>
+              <a:pPr algn="ctr"/>
+              <a:endParaRPr lang="en-US"/>
+            </a:p>
+          </p:txBody>
+        </p:sp>
+        <p:sp>
+          <p:nvSpPr>
+            <p:cNvPr id="9" name="TextBox 8"/>
+            <p:cNvSpPr txBox="1"/>
+            <p:nvPr/>
+          </p:nvSpPr>
+          <p:spPr>
+            <a:xfrm>
+              <a:off x="3657600" y="1847607"/>
+              <a:ext cx="1524000" cy="276999"/>
+            </a:xfrm>
+            <a:prstGeom prst="rect">
+              <a:avLst/>
+            </a:prstGeom>
+            <a:noFill/>
+          </p:spPr>
+          <p:txBody>
+            <a:bodyPr wrap="square" rtlCol="0">
+              <a:spAutoFit/>
+            </a:bodyPr>
+            <a:lstStyle/>
+            <a:p>
+              <a:r>
+                <a:rPr lang="en-US" sz="1200" b="1" dirty="0" smtClean="0"/>
+                <a:t>Motor Plant</a:t>
+              </a:r>
+              <a:endParaRPr lang="en-US" sz="1200" b="1" dirty="0" smtClean="0"/>
+            </a:p>
+          </p:txBody>
+        </p:sp>
+        <p:sp>
+          <p:nvSpPr>
+            <p:cNvPr id="13" name="TextBox 12"/>
+            <p:cNvSpPr txBox="1"/>
+            <p:nvPr/>
+          </p:nvSpPr>
+          <p:spPr>
+            <a:xfrm>
+              <a:off x="4038600" y="1143000"/>
+              <a:ext cx="1205145" cy="276999"/>
+            </a:xfrm>
+            <a:prstGeom prst="rect">
+              <a:avLst/>
+            </a:prstGeom>
+            <a:noFill/>
+          </p:spPr>
+          <p:txBody>
+            <a:bodyPr wrap="square" rtlCol="0">
+              <a:spAutoFit/>
+            </a:bodyPr>
+            <a:lstStyle/>
+            <a:p>
+              <a:pPr algn="r"/>
+              <a:r>
+                <a:rPr lang="en-US" sz="1200" dirty="0" smtClean="0"/>
+                <a:t>Plant Status</a:t>
+              </a:r>
+              <a:endParaRPr lang="en-US" sz="1200" dirty="0" smtClean="0"/>
+            </a:p>
+          </p:txBody>
+        </p:sp>
+      </p:grpSp>
+      <p:grpSp>
+        <p:nvGrpSpPr>
+          <p:cNvPr id="2" name="Group 1"/>
+          <p:cNvGrpSpPr/>
+          <p:nvPr/>
+        </p:nvGrpSpPr>
+        <p:grpSpPr>
+          <a:xfrm>
+            <a:off x="1637728" y="2939985"/>
+            <a:ext cx="1981200" cy="1295400"/>
+            <a:chOff x="4953000" y="1690826"/>
+            <a:chExt cx="1981200" cy="1295400"/>
+          </a:xfrm>
+        </p:grpSpPr>
+        <p:sp>
+          <p:nvSpPr>
+            <p:cNvPr id="19" name="Rectangle 18"/>
+            <p:cNvSpPr/>
+            <p:nvPr/>
+          </p:nvSpPr>
+          <p:spPr>
+            <a:xfrm>
+              <a:off x="4953000" y="1690826"/>
+              <a:ext cx="1981200" cy="1295400"/>
+            </a:xfrm>
+            <a:prstGeom prst="rect">
+              <a:avLst/>
+            </a:prstGeom>
+            <a:noFill/>
+          </p:spPr>
+          <p:style>
+            <a:lnRef idx="2">
+              <a:schemeClr val="accent1">
+                <a:shade val="50000"/>
+              </a:schemeClr>
+            </a:lnRef>
+            <a:fillRef idx="1">
+              <a:schemeClr val="accent1"/>
+            </a:fillRef>
+            <a:effectRef idx="0">
+              <a:schemeClr val="accent1"/>
+            </a:effectRef>
+            <a:fontRef idx="minor">
+              <a:schemeClr val="lt1"/>
+            </a:fontRef>
+          </p:style>
+          <p:txBody>
+            <a:bodyPr rot="0" spcFirstLastPara="0" vertOverflow="overflow" horzOverflow="overflow" vert="horz" wrap="square" lIns="91440" tIns="45720" rIns="91440" bIns="45720" numCol="1" spcCol="0" rtlCol="0" fromWordArt="0" anchor="ctr" anchorCtr="0" forceAA="0" compatLnSpc="1">
+              <a:prstTxWarp prst="textNoShape">
+                <a:avLst/>
+              </a:prstTxWarp>
+              <a:noAutofit/>
+            </a:bodyPr>
+            <a:lstStyle/>
+            <a:p>
+              <a:pPr algn="ctr"/>
+              <a:endParaRPr lang="en-US"/>
+            </a:p>
+          </p:txBody>
+        </p:sp>
+        <p:sp>
+          <p:nvSpPr>
+            <p:cNvPr id="20" name="TextBox 19"/>
+            <p:cNvSpPr txBox="1"/>
+            <p:nvPr/>
+          </p:nvSpPr>
+          <p:spPr>
+            <a:xfrm>
+              <a:off x="5334000" y="2624033"/>
+              <a:ext cx="1524000" cy="276999"/>
+            </a:xfrm>
+            <a:prstGeom prst="rect">
+              <a:avLst/>
+            </a:prstGeom>
+            <a:noFill/>
+          </p:spPr>
+          <p:txBody>
+            <a:bodyPr wrap="square" rtlCol="0">
+              <a:spAutoFit/>
+            </a:bodyPr>
+            <a:lstStyle/>
+            <a:p>
+              <a:r>
+                <a:rPr lang="en-US" sz="1200" b="1" dirty="0" smtClean="0"/>
+                <a:t>Attitude Computer</a:t>
+              </a:r>
+              <a:endParaRPr lang="en-US" sz="1200" b="1" dirty="0" smtClean="0"/>
+            </a:p>
+          </p:txBody>
+        </p:sp>
+        <p:sp>
+          <p:nvSpPr>
+            <p:cNvPr id="22" name="TextBox 21"/>
+            <p:cNvSpPr txBox="1"/>
+            <p:nvPr/>
+          </p:nvSpPr>
+          <p:spPr>
+            <a:xfrm>
+              <a:off x="5715000" y="1919426"/>
+              <a:ext cx="1205145" cy="276999"/>
+            </a:xfrm>
+            <a:prstGeom prst="rect">
+              <a:avLst/>
+            </a:prstGeom>
+            <a:noFill/>
+          </p:spPr>
+          <p:txBody>
+            <a:bodyPr wrap="square" rtlCol="0">
+              <a:spAutoFit/>
+            </a:bodyPr>
+            <a:lstStyle/>
+            <a:p>
+              <a:pPr algn="r"/>
+              <a:r>
+                <a:rPr lang="en-US" sz="1200" dirty="0" smtClean="0"/>
+                <a:t>Attitude</a:t>
+              </a:r>
+            </a:p>
+          </p:txBody>
+        </p:sp>
+      </p:grpSp>
+      <p:cxnSp>
+        <p:nvCxnSpPr>
+          <p:cNvPr id="24" name="Straight Arrow Connector 23"/>
+          <p:cNvCxnSpPr>
+            <a:stCxn id="13" idx="3"/>
+          </p:cNvCxnSpPr>
+          <p:nvPr/>
+        </p:nvCxnSpPr>
+        <p:spPr>
+          <a:xfrm flipV="1">
+            <a:off x="3618928" y="1738004"/>
+            <a:ext cx="1779759" cy="1"/>
+          </a:xfrm>
+          <a:prstGeom prst="straightConnector1">
+            <a:avLst/>
+          </a:prstGeom>
+          <a:ln>
+            <a:tailEnd type="arrow"/>
+          </a:ln>
+        </p:spPr>
+        <p:style>
+          <a:lnRef idx="1">
+            <a:schemeClr val="accent1"/>
+          </a:lnRef>
+          <a:fillRef idx="0">
+            <a:schemeClr val="accent1"/>
+          </a:fillRef>
+          <a:effectRef idx="0">
+            <a:schemeClr val="accent1"/>
+          </a:effectRef>
+          <a:fontRef idx="minor">
+            <a:schemeClr val="tx1"/>
+          </a:fontRef>
+        </p:style>
+      </p:cxnSp>
+      <p:grpSp>
+        <p:nvGrpSpPr>
+          <p:cNvPr id="44" name="Group 43"/>
+          <p:cNvGrpSpPr/>
+          <p:nvPr/>
+        </p:nvGrpSpPr>
+        <p:grpSpPr>
+          <a:xfrm flipH="1">
+            <a:off x="5398687" y="1402710"/>
+            <a:ext cx="1981200" cy="1295400"/>
+            <a:chOff x="3276600" y="914400"/>
+            <a:chExt cx="1981200" cy="1295400"/>
+          </a:xfrm>
+        </p:grpSpPr>
+        <p:sp>
+          <p:nvSpPr>
+            <p:cNvPr id="45" name="Rectangle 44"/>
+            <p:cNvSpPr/>
+            <p:nvPr/>
+          </p:nvSpPr>
+          <p:spPr>
+            <a:xfrm>
+              <a:off x="3276600" y="914400"/>
+              <a:ext cx="1981200" cy="1295400"/>
+            </a:xfrm>
+            <a:prstGeom prst="rect">
+              <a:avLst/>
+            </a:prstGeom>
+            <a:noFill/>
+          </p:spPr>
+          <p:style>
+            <a:lnRef idx="2">
+              <a:schemeClr val="accent1">
+                <a:shade val="50000"/>
+              </a:schemeClr>
+            </a:lnRef>
+            <a:fillRef idx="1">
+              <a:schemeClr val="accent1"/>
+            </a:fillRef>
+            <a:effectRef idx="0">
+              <a:schemeClr val="accent1"/>
+            </a:effectRef>
+            <a:fontRef idx="minor">
+              <a:schemeClr val="lt1"/>
+            </a:fontRef>
+          </p:style>
+          <p:txBody>
+            <a:bodyPr rot="0" spcFirstLastPara="0" vertOverflow="overflow" horzOverflow="overflow" vert="horz" wrap="square" lIns="91440" tIns="45720" rIns="91440" bIns="45720" numCol="1" spcCol="0" rtlCol="0" fromWordArt="0" anchor="ctr" anchorCtr="0" forceAA="0" compatLnSpc="1">
+              <a:prstTxWarp prst="textNoShape">
+                <a:avLst/>
+              </a:prstTxWarp>
+              <a:noAutofit/>
+            </a:bodyPr>
+            <a:lstStyle/>
+            <a:p>
+              <a:pPr algn="ctr"/>
+              <a:endParaRPr lang="en-US"/>
+            </a:p>
+          </p:txBody>
+        </p:sp>
+        <p:sp>
+          <p:nvSpPr>
+            <p:cNvPr id="46" name="TextBox 45"/>
+            <p:cNvSpPr txBox="1"/>
+            <p:nvPr/>
+          </p:nvSpPr>
+          <p:spPr>
+            <a:xfrm>
+              <a:off x="3657600" y="1847607"/>
+              <a:ext cx="1524000" cy="276999"/>
+            </a:xfrm>
+            <a:prstGeom prst="rect">
+              <a:avLst/>
+            </a:prstGeom>
+            <a:noFill/>
+          </p:spPr>
+          <p:txBody>
+            <a:bodyPr wrap="square" rtlCol="0">
+              <a:spAutoFit/>
+            </a:bodyPr>
+            <a:lstStyle/>
+            <a:p>
+              <a:r>
+                <a:rPr lang="en-US" sz="1200" b="1" dirty="0" smtClean="0"/>
+                <a:t>State Observer</a:t>
+              </a:r>
+              <a:endParaRPr lang="en-US" sz="1200" b="1" dirty="0" smtClean="0"/>
+            </a:p>
+          </p:txBody>
+        </p:sp>
+      </p:grpSp>
+      <p:grpSp>
+        <p:nvGrpSpPr>
+          <p:cNvPr id="55" name="Group 54"/>
+          <p:cNvGrpSpPr/>
+          <p:nvPr/>
+        </p:nvGrpSpPr>
+        <p:grpSpPr>
+          <a:xfrm flipH="1">
+            <a:off x="3493687" y="4550446"/>
+            <a:ext cx="1981200" cy="1295400"/>
+            <a:chOff x="3276600" y="914400"/>
+            <a:chExt cx="1981200" cy="1295400"/>
+          </a:xfrm>
+        </p:grpSpPr>
+        <p:sp>
+          <p:nvSpPr>
+            <p:cNvPr id="56" name="Rectangle 55"/>
+            <p:cNvSpPr/>
+            <p:nvPr/>
+          </p:nvSpPr>
+          <p:spPr>
+            <a:xfrm>
+              <a:off x="3276600" y="914400"/>
+              <a:ext cx="1981200" cy="1295400"/>
+            </a:xfrm>
+            <a:prstGeom prst="rect">
+              <a:avLst/>
+            </a:prstGeom>
+            <a:noFill/>
+          </p:spPr>
+          <p:style>
+            <a:lnRef idx="2">
+              <a:schemeClr val="accent1">
+                <a:shade val="50000"/>
+              </a:schemeClr>
+            </a:lnRef>
+            <a:fillRef idx="1">
+              <a:schemeClr val="accent1"/>
+            </a:fillRef>
+            <a:effectRef idx="0">
+              <a:schemeClr val="accent1"/>
+            </a:effectRef>
+            <a:fontRef idx="minor">
+              <a:schemeClr val="lt1"/>
+            </a:fontRef>
+          </p:style>
+          <p:txBody>
+            <a:bodyPr rot="0" spcFirstLastPara="0" vertOverflow="overflow" horzOverflow="overflow" vert="horz" wrap="square" lIns="91440" tIns="45720" rIns="91440" bIns="45720" numCol="1" spcCol="0" rtlCol="0" fromWordArt="0" anchor="ctr" anchorCtr="0" forceAA="0" compatLnSpc="1">
+              <a:prstTxWarp prst="textNoShape">
+                <a:avLst/>
+              </a:prstTxWarp>
+              <a:noAutofit/>
+            </a:bodyPr>
+            <a:lstStyle/>
+            <a:p>
+              <a:pPr algn="ctr"/>
+              <a:endParaRPr lang="en-US"/>
+            </a:p>
+          </p:txBody>
+        </p:sp>
+        <p:sp>
+          <p:nvSpPr>
+            <p:cNvPr id="57" name="TextBox 56"/>
+            <p:cNvSpPr txBox="1"/>
+            <p:nvPr/>
+          </p:nvSpPr>
+          <p:spPr>
+            <a:xfrm>
+              <a:off x="3657600" y="1847607"/>
+              <a:ext cx="1524000" cy="276999"/>
+            </a:xfrm>
+            <a:prstGeom prst="rect">
+              <a:avLst/>
+            </a:prstGeom>
+            <a:noFill/>
+          </p:spPr>
+          <p:txBody>
+            <a:bodyPr wrap="square" rtlCol="0">
+              <a:spAutoFit/>
+            </a:bodyPr>
+            <a:lstStyle/>
+            <a:p>
+              <a:r>
+                <a:rPr lang="en-US" sz="1200" b="1" dirty="0" smtClean="0"/>
+                <a:t>Balance Regulator</a:t>
+              </a:r>
+              <a:endParaRPr lang="en-US" sz="1200" b="1" dirty="0" smtClean="0"/>
+            </a:p>
+          </p:txBody>
+        </p:sp>
+        <p:sp>
+          <p:nvSpPr>
+            <p:cNvPr id="59" name="TextBox 58"/>
+            <p:cNvSpPr txBox="1"/>
+            <p:nvPr/>
+          </p:nvSpPr>
+          <p:spPr>
+            <a:xfrm>
+              <a:off x="3657601" y="1143000"/>
+              <a:ext cx="1586145" cy="276999"/>
+            </a:xfrm>
+            <a:prstGeom prst="rect">
+              <a:avLst/>
+            </a:prstGeom>
+            <a:noFill/>
+          </p:spPr>
+          <p:txBody>
+            <a:bodyPr wrap="square" rtlCol="0">
+              <a:spAutoFit/>
+            </a:bodyPr>
+            <a:lstStyle/>
+            <a:p>
+              <a:r>
+                <a:rPr lang="en-US" sz="1200" dirty="0" smtClean="0"/>
+                <a:t>Control Effort</a:t>
+              </a:r>
+              <a:endParaRPr lang="en-US" sz="1200" dirty="0" smtClean="0"/>
+            </a:p>
+          </p:txBody>
+        </p:sp>
+      </p:grpSp>
+      <p:sp>
+        <p:nvSpPr>
+          <p:cNvPr id="72" name="Title 71"/>
+          <p:cNvSpPr>
+            <a:spLocks noGrp="1"/>
+          </p:cNvSpPr>
+          <p:nvPr>
+            <p:ph type="title"/>
+          </p:nvPr>
+        </p:nvSpPr>
+        <p:spPr>
+          <a:xfrm>
+            <a:off x="457200" y="76200"/>
+            <a:ext cx="8229600" cy="1143000"/>
+          </a:xfrm>
+        </p:spPr>
+        <p:txBody>
+          <a:bodyPr/>
+          <a:lstStyle/>
+          <a:p>
+            <a:r>
+              <a:rPr lang="en-US" dirty="0" smtClean="0"/>
+              <a:t>Mary Lou </a:t>
+            </a:r>
+            <a:r>
+              <a:rPr lang="en-US" dirty="0" smtClean="0"/>
+              <a:t>Overall System Design</a:t>
+            </a:r>
+            <a:endParaRPr lang="en-US" dirty="0"/>
+          </a:p>
+        </p:txBody>
+      </p:sp>
+      <p:cxnSp>
+        <p:nvCxnSpPr>
+          <p:cNvPr id="8" name="Straight Connector 7"/>
+          <p:cNvCxnSpPr/>
+          <p:nvPr/>
+        </p:nvCxnSpPr>
+        <p:spPr>
+          <a:xfrm>
+            <a:off x="3632983" y="3307084"/>
+            <a:ext cx="875824" cy="0"/>
+          </a:xfrm>
+          <a:prstGeom prst="line">
+            <a:avLst/>
+          </a:prstGeom>
+        </p:spPr>
+        <p:style>
+          <a:lnRef idx="1">
+            <a:schemeClr val="accent1"/>
+          </a:lnRef>
+          <a:fillRef idx="0">
+            <a:schemeClr val="accent1"/>
+          </a:fillRef>
+          <a:effectRef idx="0">
+            <a:schemeClr val="accent1"/>
+          </a:effectRef>
+          <a:fontRef idx="minor">
+            <a:schemeClr val="tx1"/>
+          </a:fontRef>
+        </p:style>
+      </p:cxnSp>
+      <p:cxnSp>
+        <p:nvCxnSpPr>
+          <p:cNvPr id="17" name="Straight Connector 16"/>
+          <p:cNvCxnSpPr/>
+          <p:nvPr/>
+        </p:nvCxnSpPr>
+        <p:spPr>
+          <a:xfrm flipV="1">
+            <a:off x="4508807" y="2209800"/>
+            <a:ext cx="0" cy="1097284"/>
+          </a:xfrm>
+          <a:prstGeom prst="line">
+            <a:avLst/>
+          </a:prstGeom>
+        </p:spPr>
+        <p:style>
+          <a:lnRef idx="1">
+            <a:schemeClr val="accent1"/>
+          </a:lnRef>
+          <a:fillRef idx="0">
+            <a:schemeClr val="accent1"/>
+          </a:fillRef>
+          <a:effectRef idx="0">
+            <a:schemeClr val="accent1"/>
+          </a:effectRef>
+          <a:fontRef idx="minor">
+            <a:schemeClr val="tx1"/>
+          </a:fontRef>
+        </p:style>
+      </p:cxnSp>
+      <p:cxnSp>
+        <p:nvCxnSpPr>
+          <p:cNvPr id="21" name="Straight Arrow Connector 20"/>
+          <p:cNvCxnSpPr/>
+          <p:nvPr/>
+        </p:nvCxnSpPr>
+        <p:spPr>
+          <a:xfrm>
+            <a:off x="4508807" y="2209800"/>
+            <a:ext cx="889880" cy="0"/>
+          </a:xfrm>
+          <a:prstGeom prst="straightConnector1">
+            <a:avLst/>
+          </a:prstGeom>
+          <a:ln>
+            <a:tailEnd type="arrow"/>
+          </a:ln>
+        </p:spPr>
+        <p:style>
+          <a:lnRef idx="1">
+            <a:schemeClr val="accent1"/>
+          </a:lnRef>
+          <a:fillRef idx="0">
+            <a:schemeClr val="accent1"/>
+          </a:fillRef>
+          <a:effectRef idx="0">
+            <a:schemeClr val="accent1"/>
+          </a:effectRef>
+          <a:fontRef idx="minor">
+            <a:schemeClr val="tx1"/>
+          </a:fontRef>
+        </p:style>
+      </p:cxnSp>
+      <p:sp>
+        <p:nvSpPr>
+          <p:cNvPr id="54" name="TextBox 53"/>
+          <p:cNvSpPr txBox="1"/>
+          <p:nvPr/>
+        </p:nvSpPr>
+        <p:spPr>
+          <a:xfrm>
+            <a:off x="6186255" y="1600200"/>
+            <a:ext cx="1205145" cy="276999"/>
+          </a:xfrm>
+          <a:prstGeom prst="rect">
+            <a:avLst/>
+          </a:prstGeom>
+          <a:noFill/>
+        </p:spPr>
+        <p:txBody>
+          <a:bodyPr wrap="square" rtlCol="0">
+            <a:spAutoFit/>
+          </a:bodyPr>
+          <a:lstStyle/>
+          <a:p>
+            <a:pPr algn="r"/>
+            <a:r>
+              <a:rPr lang="en-US" sz="1200" dirty="0" smtClean="0"/>
+              <a:t>State Vector</a:t>
+            </a:r>
+          </a:p>
+        </p:txBody>
+      </p:sp>
+      <p:cxnSp>
+        <p:nvCxnSpPr>
+          <p:cNvPr id="25" name="Straight Connector 24"/>
+          <p:cNvCxnSpPr/>
+          <p:nvPr/>
+        </p:nvCxnSpPr>
+        <p:spPr>
+          <a:xfrm>
+            <a:off x="7391400" y="1738005"/>
+            <a:ext cx="609600" cy="0"/>
+          </a:xfrm>
+          <a:prstGeom prst="line">
+            <a:avLst/>
+          </a:prstGeom>
+        </p:spPr>
+        <p:style>
+          <a:lnRef idx="1">
+            <a:schemeClr val="accent1"/>
+          </a:lnRef>
+          <a:fillRef idx="0">
+            <a:schemeClr val="accent1"/>
+          </a:fillRef>
+          <a:effectRef idx="0">
+            <a:schemeClr val="accent1"/>
+          </a:effectRef>
+          <a:fontRef idx="minor">
+            <a:schemeClr val="tx1"/>
+          </a:fontRef>
+        </p:style>
+      </p:cxnSp>
+      <p:cxnSp>
+        <p:nvCxnSpPr>
+          <p:cNvPr id="27" name="Straight Connector 26"/>
+          <p:cNvCxnSpPr/>
+          <p:nvPr/>
+        </p:nvCxnSpPr>
+        <p:spPr>
+          <a:xfrm>
+            <a:off x="8001000" y="1738004"/>
+            <a:ext cx="0" cy="3214996"/>
+          </a:xfrm>
+          <a:prstGeom prst="line">
+            <a:avLst/>
+          </a:prstGeom>
+        </p:spPr>
+        <p:style>
+          <a:lnRef idx="1">
+            <a:schemeClr val="accent1"/>
+          </a:lnRef>
+          <a:fillRef idx="0">
+            <a:schemeClr val="accent1"/>
+          </a:fillRef>
+          <a:effectRef idx="0">
+            <a:schemeClr val="accent1"/>
+          </a:effectRef>
+          <a:fontRef idx="minor">
+            <a:schemeClr val="tx1"/>
+          </a:fontRef>
+        </p:style>
+      </p:cxnSp>
+      <p:cxnSp>
+        <p:nvCxnSpPr>
+          <p:cNvPr id="29" name="Straight Arrow Connector 28"/>
+          <p:cNvCxnSpPr/>
+          <p:nvPr/>
+        </p:nvCxnSpPr>
+        <p:spPr>
+          <a:xfrm flipH="1">
+            <a:off x="5474887" y="4953000"/>
+            <a:ext cx="2526113" cy="0"/>
+          </a:xfrm>
+          <a:prstGeom prst="straightConnector1">
+            <a:avLst/>
+          </a:prstGeom>
+          <a:ln>
+            <a:tailEnd type="arrow"/>
+          </a:ln>
+        </p:spPr>
+        <p:style>
+          <a:lnRef idx="1">
+            <a:schemeClr val="accent1"/>
+          </a:lnRef>
+          <a:fillRef idx="0">
+            <a:schemeClr val="accent1"/>
+          </a:fillRef>
+          <a:effectRef idx="0">
+            <a:schemeClr val="accent1"/>
+          </a:effectRef>
+          <a:fontRef idx="minor">
+            <a:schemeClr val="tx1"/>
+          </a:fontRef>
+        </p:style>
+      </p:cxnSp>
+      <p:cxnSp>
+        <p:nvCxnSpPr>
+          <p:cNvPr id="33" name="Straight Connector 32"/>
+          <p:cNvCxnSpPr>
+            <a:stCxn id="59" idx="3"/>
+          </p:cNvCxnSpPr>
+          <p:nvPr/>
+        </p:nvCxnSpPr>
+        <p:spPr>
+          <a:xfrm flipH="1" flipV="1">
+            <a:off x="990600" y="4917545"/>
+            <a:ext cx="2517141" cy="1"/>
+          </a:xfrm>
+          <a:prstGeom prst="line">
+            <a:avLst/>
+          </a:prstGeom>
+        </p:spPr>
+        <p:style>
+          <a:lnRef idx="1">
+            <a:schemeClr val="accent1"/>
+          </a:lnRef>
+          <a:fillRef idx="0">
+            <a:schemeClr val="accent1"/>
+          </a:fillRef>
+          <a:effectRef idx="0">
+            <a:schemeClr val="accent1"/>
+          </a:effectRef>
+          <a:fontRef idx="minor">
+            <a:schemeClr val="tx1"/>
+          </a:fontRef>
+        </p:style>
+      </p:cxnSp>
+      <p:cxnSp>
+        <p:nvCxnSpPr>
+          <p:cNvPr id="38" name="Straight Connector 37"/>
+          <p:cNvCxnSpPr/>
+          <p:nvPr/>
+        </p:nvCxnSpPr>
+        <p:spPr>
+          <a:xfrm flipV="1">
+            <a:off x="990600" y="1738699"/>
+            <a:ext cx="0" cy="3178846"/>
+          </a:xfrm>
+          <a:prstGeom prst="line">
+            <a:avLst/>
+          </a:prstGeom>
+        </p:spPr>
+        <p:style>
+          <a:lnRef idx="1">
+            <a:schemeClr val="accent1"/>
+          </a:lnRef>
+          <a:fillRef idx="0">
+            <a:schemeClr val="accent1"/>
+          </a:fillRef>
+          <a:effectRef idx="0">
+            <a:schemeClr val="accent1"/>
+          </a:effectRef>
+          <a:fontRef idx="minor">
+            <a:schemeClr val="tx1"/>
+          </a:fontRef>
+        </p:style>
+      </p:cxnSp>
+      <p:cxnSp>
+        <p:nvCxnSpPr>
+          <p:cNvPr id="49" name="Straight Arrow Connector 48"/>
+          <p:cNvCxnSpPr/>
+          <p:nvPr/>
+        </p:nvCxnSpPr>
+        <p:spPr>
+          <a:xfrm>
+            <a:off x="990600" y="1738005"/>
+            <a:ext cx="647128" cy="0"/>
+          </a:xfrm>
+          <a:prstGeom prst="straightConnector1">
+            <a:avLst/>
+          </a:prstGeom>
+          <a:ln>
+            <a:tailEnd type="arrow"/>
+          </a:ln>
+        </p:spPr>
+        <p:style>
+          <a:lnRef idx="1">
+            <a:schemeClr val="accent1"/>
+          </a:lnRef>
+          <a:fillRef idx="0">
+            <a:schemeClr val="accent1"/>
+          </a:fillRef>
+          <a:effectRef idx="0">
+            <a:schemeClr val="accent1"/>
+          </a:effectRef>
+          <a:fontRef idx="minor">
+            <a:schemeClr val="tx1"/>
+          </a:fontRef>
+        </p:style>
+      </p:cxnSp>
+    </p:spTree>
+    <p:extLst>
+      <p:ext uri="{BB962C8B-B14F-4D97-AF65-F5344CB8AC3E}">
+        <p14:creationId xmlns:p14="http://schemas.microsoft.com/office/powerpoint/2010/main" val="3275000954"/>
       </p:ext>
     </p:extLst>
   </p:cSld>

--- a/Datasheets/Gyro_system.pptx
+++ b/Datasheets/Gyro_system.pptx
@@ -4233,7 +4233,7 @@
             <a:graphicData uri="http://schemas.openxmlformats.org/presentationml/2006/ole">
               <mc:AlternateContent xmlns:mc="http://schemas.openxmlformats.org/markup-compatibility/2006">
                 <mc:Choice xmlns:v="urn:schemas-microsoft-com:vml" Requires="v">
-                  <p:oleObj spid="_x0000_s1055" name="Equation" r:id="rId3" imgW="228600" imgH="228600" progId="Equation.DSMT4">
+                  <p:oleObj spid="_x0000_s1065" name="Equation" r:id="rId3" imgW="228600" imgH="228600" progId="Equation.DSMT4">
                     <p:embed/>
                   </p:oleObj>
                 </mc:Choice>
@@ -4355,7 +4355,7 @@
           <a:graphicData uri="http://schemas.openxmlformats.org/presentationml/2006/ole">
             <mc:AlternateContent xmlns:mc="http://schemas.openxmlformats.org/markup-compatibility/2006">
               <mc:Choice xmlns:v="urn:schemas-microsoft-com:vml" Requires="v">
-                <p:oleObj spid="_x0000_s1056" name="Equation" r:id="rId5" imgW="1282680" imgH="279360" progId="Equation.DSMT4">
+                <p:oleObj spid="_x0000_s1066" name="Equation" r:id="rId5" imgW="1282680" imgH="279360" progId="Equation.DSMT4">
                   <p:embed/>
                 </p:oleObj>
               </mc:Choice>
@@ -4412,7 +4412,7 @@
           <a:graphicData uri="http://schemas.openxmlformats.org/presentationml/2006/ole">
             <mc:AlternateContent xmlns:mc="http://schemas.openxmlformats.org/markup-compatibility/2006">
               <mc:Choice xmlns:v="urn:schemas-microsoft-com:vml" Requires="v">
-                <p:oleObj spid="_x0000_s1057" name="Equation" r:id="rId7" imgW="1625400" imgH="253800" progId="Equation.DSMT4">
+                <p:oleObj spid="_x0000_s1067" name="Equation" r:id="rId7" imgW="1625400" imgH="253800" progId="Equation.DSMT4">
                   <p:embed/>
                 </p:oleObj>
               </mc:Choice>
@@ -4469,7 +4469,7 @@
           <a:graphicData uri="http://schemas.openxmlformats.org/presentationml/2006/ole">
             <mc:AlternateContent xmlns:mc="http://schemas.openxmlformats.org/markup-compatibility/2006">
               <mc:Choice xmlns:v="urn:schemas-microsoft-com:vml" Requires="v">
-                <p:oleObj spid="_x0000_s1058" name="Equation" r:id="rId9" imgW="1384200" imgH="241200" progId="Equation.DSMT4">
+                <p:oleObj spid="_x0000_s1068" name="Equation" r:id="rId9" imgW="1384200" imgH="241200" progId="Equation.DSMT4">
                   <p:embed/>
                 </p:oleObj>
               </mc:Choice>
@@ -4526,7 +4526,7 @@
           <a:graphicData uri="http://schemas.openxmlformats.org/presentationml/2006/ole">
             <mc:AlternateContent xmlns:mc="http://schemas.openxmlformats.org/markup-compatibility/2006">
               <mc:Choice xmlns:v="urn:schemas-microsoft-com:vml" Requires="v">
-                <p:oleObj spid="_x0000_s1059" name="Equation" r:id="rId11" imgW="901440" imgH="279360" progId="Equation.DSMT4">
+                <p:oleObj spid="_x0000_s1069" name="Equation" r:id="rId11" imgW="901440" imgH="279360" progId="Equation.DSMT4">
                   <p:embed/>
                 </p:oleObj>
               </mc:Choice>
@@ -4828,7 +4828,7 @@
               <a:pPr algn="r"/>
               <a:r>
                 <a:rPr lang="en-US" sz="1200" dirty="0" smtClean="0"/>
-                <a:t>Attitude</a:t>
+                <a:t>Pitch</a:t>
               </a:r>
             </a:p>
           </p:txBody>
@@ -5103,11 +5103,19 @@
           <a:p>
             <a:r>
               <a:rPr lang="en-US" dirty="0" smtClean="0"/>
-              <a:t>Mary Lou </a:t>
+              <a:t>Mary </a:t>
+            </a:r>
+            <a:r>
+              <a:rPr lang="en-US" smtClean="0"/>
+              <a:t>Lou </a:t>
+            </a:r>
+            <a:r>
+              <a:rPr lang="en-US" smtClean="0"/>
+              <a:t>System </a:t>
             </a:r>
             <a:r>
               <a:rPr lang="en-US" dirty="0" smtClean="0"/>
-              <a:t>Overall System Design</a:t>
+              <a:t>Design</a:t>
             </a:r>
             <a:endParaRPr lang="en-US" dirty="0"/>
           </a:p>

--- a/Datasheets/Gyro_system.pptx
+++ b/Datasheets/Gyro_system.pptx
@@ -289,7 +289,7 @@
           <a:p>
             <a:fld id="{4DD00C69-B510-4436-9533-A615A6B020D7}" type="datetimeFigureOut">
               <a:rPr lang="en-US" smtClean="0"/>
-              <a:t>10/16/2014</a:t>
+              <a:t>10/23/2014</a:t>
             </a:fld>
             <a:endParaRPr lang="en-US"/>
           </a:p>
@@ -459,7 +459,7 @@
           <a:p>
             <a:fld id="{4DD00C69-B510-4436-9533-A615A6B020D7}" type="datetimeFigureOut">
               <a:rPr lang="en-US" smtClean="0"/>
-              <a:t>10/16/2014</a:t>
+              <a:t>10/23/2014</a:t>
             </a:fld>
             <a:endParaRPr lang="en-US"/>
           </a:p>
@@ -639,7 +639,7 @@
           <a:p>
             <a:fld id="{4DD00C69-B510-4436-9533-A615A6B020D7}" type="datetimeFigureOut">
               <a:rPr lang="en-US" smtClean="0"/>
-              <a:t>10/16/2014</a:t>
+              <a:t>10/23/2014</a:t>
             </a:fld>
             <a:endParaRPr lang="en-US"/>
           </a:p>
@@ -809,7 +809,7 @@
           <a:p>
             <a:fld id="{4DD00C69-B510-4436-9533-A615A6B020D7}" type="datetimeFigureOut">
               <a:rPr lang="en-US" smtClean="0"/>
-              <a:t>10/16/2014</a:t>
+              <a:t>10/23/2014</a:t>
             </a:fld>
             <a:endParaRPr lang="en-US"/>
           </a:p>
@@ -1055,7 +1055,7 @@
           <a:p>
             <a:fld id="{4DD00C69-B510-4436-9533-A615A6B020D7}" type="datetimeFigureOut">
               <a:rPr lang="en-US" smtClean="0"/>
-              <a:t>10/16/2014</a:t>
+              <a:t>10/23/2014</a:t>
             </a:fld>
             <a:endParaRPr lang="en-US"/>
           </a:p>
@@ -1343,7 +1343,7 @@
           <a:p>
             <a:fld id="{4DD00C69-B510-4436-9533-A615A6B020D7}" type="datetimeFigureOut">
               <a:rPr lang="en-US" smtClean="0"/>
-              <a:t>10/16/2014</a:t>
+              <a:t>10/23/2014</a:t>
             </a:fld>
             <a:endParaRPr lang="en-US"/>
           </a:p>
@@ -1765,7 +1765,7 @@
           <a:p>
             <a:fld id="{4DD00C69-B510-4436-9533-A615A6B020D7}" type="datetimeFigureOut">
               <a:rPr lang="en-US" smtClean="0"/>
-              <a:t>10/16/2014</a:t>
+              <a:t>10/23/2014</a:t>
             </a:fld>
             <a:endParaRPr lang="en-US"/>
           </a:p>
@@ -1883,7 +1883,7 @@
           <a:p>
             <a:fld id="{4DD00C69-B510-4436-9533-A615A6B020D7}" type="datetimeFigureOut">
               <a:rPr lang="en-US" smtClean="0"/>
-              <a:t>10/16/2014</a:t>
+              <a:t>10/23/2014</a:t>
             </a:fld>
             <a:endParaRPr lang="en-US"/>
           </a:p>
@@ -1978,7 +1978,7 @@
           <a:p>
             <a:fld id="{4DD00C69-B510-4436-9533-A615A6B020D7}" type="datetimeFigureOut">
               <a:rPr lang="en-US" smtClean="0"/>
-              <a:t>10/16/2014</a:t>
+              <a:t>10/23/2014</a:t>
             </a:fld>
             <a:endParaRPr lang="en-US"/>
           </a:p>
@@ -2255,7 +2255,7 @@
           <a:p>
             <a:fld id="{4DD00C69-B510-4436-9533-A615A6B020D7}" type="datetimeFigureOut">
               <a:rPr lang="en-US" smtClean="0"/>
-              <a:t>10/16/2014</a:t>
+              <a:t>10/23/2014</a:t>
             </a:fld>
             <a:endParaRPr lang="en-US"/>
           </a:p>
@@ -2508,7 +2508,7 @@
           <a:p>
             <a:fld id="{4DD00C69-B510-4436-9533-A615A6B020D7}" type="datetimeFigureOut">
               <a:rPr lang="en-US" smtClean="0"/>
-              <a:t>10/16/2014</a:t>
+              <a:t>10/23/2014</a:t>
             </a:fld>
             <a:endParaRPr lang="en-US"/>
           </a:p>
@@ -2721,7 +2721,7 @@
           <a:p>
             <a:fld id="{4DD00C69-B510-4436-9533-A615A6B020D7}" type="datetimeFigureOut">
               <a:rPr lang="en-US" smtClean="0"/>
-              <a:t>10/16/2014</a:t>
+              <a:t>10/23/2014</a:t>
             </a:fld>
             <a:endParaRPr lang="en-US"/>
           </a:p>
@@ -4233,7 +4233,7 @@
             <a:graphicData uri="http://schemas.openxmlformats.org/presentationml/2006/ole">
               <mc:AlternateContent xmlns:mc="http://schemas.openxmlformats.org/markup-compatibility/2006">
                 <mc:Choice xmlns:v="urn:schemas-microsoft-com:vml" Requires="v">
-                  <p:oleObj spid="_x0000_s1065" name="Equation" r:id="rId3" imgW="228600" imgH="228600" progId="Equation.DSMT4">
+                  <p:oleObj spid="_x0000_s1085" name="Equation" r:id="rId3" imgW="228600" imgH="228600" progId="Equation.DSMT4">
                     <p:embed/>
                   </p:oleObj>
                 </mc:Choice>
@@ -4286,7 +4286,11 @@
           <a:p>
             <a:r>
               <a:rPr lang="en-US" dirty="0" smtClean="0"/>
-              <a:t>Mary Lou stabilized gyro system</a:t>
+              <a:t>Mary Lou </a:t>
+            </a:r>
+            <a:r>
+              <a:rPr lang="en-US" dirty="0" smtClean="0"/>
+              <a:t>Attitude Computer</a:t>
             </a:r>
             <a:endParaRPr lang="en-US" dirty="0"/>
           </a:p>
@@ -4355,7 +4359,7 @@
           <a:graphicData uri="http://schemas.openxmlformats.org/presentationml/2006/ole">
             <mc:AlternateContent xmlns:mc="http://schemas.openxmlformats.org/markup-compatibility/2006">
               <mc:Choice xmlns:v="urn:schemas-microsoft-com:vml" Requires="v">
-                <p:oleObj spid="_x0000_s1066" name="Equation" r:id="rId5" imgW="1282680" imgH="279360" progId="Equation.DSMT4">
+                <p:oleObj spid="_x0000_s1086" name="Equation" r:id="rId5" imgW="1282680" imgH="279360" progId="Equation.DSMT4">
                   <p:embed/>
                 </p:oleObj>
               </mc:Choice>
@@ -4412,7 +4416,7 @@
           <a:graphicData uri="http://schemas.openxmlformats.org/presentationml/2006/ole">
             <mc:AlternateContent xmlns:mc="http://schemas.openxmlformats.org/markup-compatibility/2006">
               <mc:Choice xmlns:v="urn:schemas-microsoft-com:vml" Requires="v">
-                <p:oleObj spid="_x0000_s1067" name="Equation" r:id="rId7" imgW="1625400" imgH="253800" progId="Equation.DSMT4">
+                <p:oleObj spid="_x0000_s1087" name="Equation" r:id="rId7" imgW="1625400" imgH="253800" progId="Equation.DSMT4">
                   <p:embed/>
                 </p:oleObj>
               </mc:Choice>
@@ -4469,7 +4473,7 @@
           <a:graphicData uri="http://schemas.openxmlformats.org/presentationml/2006/ole">
             <mc:AlternateContent xmlns:mc="http://schemas.openxmlformats.org/markup-compatibility/2006">
               <mc:Choice xmlns:v="urn:schemas-microsoft-com:vml" Requires="v">
-                <p:oleObj spid="_x0000_s1068" name="Equation" r:id="rId9" imgW="1384200" imgH="241200" progId="Equation.DSMT4">
+                <p:oleObj spid="_x0000_s1088" name="Equation" r:id="rId9" imgW="1384200" imgH="241200" progId="Equation.DSMT4">
                   <p:embed/>
                 </p:oleObj>
               </mc:Choice>
@@ -4526,7 +4530,7 @@
           <a:graphicData uri="http://schemas.openxmlformats.org/presentationml/2006/ole">
             <mc:AlternateContent xmlns:mc="http://schemas.openxmlformats.org/markup-compatibility/2006">
               <mc:Choice xmlns:v="urn:schemas-microsoft-com:vml" Requires="v">
-                <p:oleObj spid="_x0000_s1069" name="Equation" r:id="rId11" imgW="901440" imgH="279360" progId="Equation.DSMT4">
+                <p:oleObj spid="_x0000_s1089" name="Equation" r:id="rId11" imgW="901440" imgH="279360" progId="Equation.DSMT4">
                   <p:embed/>
                 </p:oleObj>
               </mc:Choice>
@@ -4561,6 +4565,116 @@
           </a:graphicData>
         </a:graphic>
       </p:graphicFrame>
+      <p:sp>
+        <p:nvSpPr>
+          <p:cNvPr id="7" name="Cloud Callout 6"/>
+          <p:cNvSpPr/>
+          <p:nvPr/>
+        </p:nvSpPr>
+        <p:spPr>
+          <a:xfrm>
+            <a:off x="7543800" y="3442581"/>
+            <a:ext cx="1447800" cy="990600"/>
+          </a:xfrm>
+          <a:prstGeom prst="cloudCallout">
+            <a:avLst>
+              <a:gd name="adj1" fmla="val -21927"/>
+              <a:gd name="adj2" fmla="val 94745"/>
+            </a:avLst>
+          </a:prstGeom>
+          <a:noFill/>
+        </p:spPr>
+        <p:style>
+          <a:lnRef idx="2">
+            <a:schemeClr val="accent1">
+              <a:shade val="50000"/>
+            </a:schemeClr>
+          </a:lnRef>
+          <a:fillRef idx="1">
+            <a:schemeClr val="accent1"/>
+          </a:fillRef>
+          <a:effectRef idx="0">
+            <a:schemeClr val="accent1"/>
+          </a:effectRef>
+          <a:fontRef idx="minor">
+            <a:schemeClr val="lt1"/>
+          </a:fontRef>
+        </p:style>
+        <p:txBody>
+          <a:bodyPr rtlCol="0" anchor="ctr"/>
+          <a:lstStyle/>
+          <a:p>
+            <a:pPr algn="ctr"/>
+            <a:endParaRPr lang="en-US"/>
+          </a:p>
+        </p:txBody>
+      </p:sp>
+      <p:sp>
+        <p:nvSpPr>
+          <p:cNvPr id="8" name="TextBox 7"/>
+          <p:cNvSpPr txBox="1"/>
+          <p:nvPr/>
+        </p:nvSpPr>
+        <p:spPr>
+          <a:xfrm>
+            <a:off x="7826525" y="3729335"/>
+            <a:ext cx="936475" cy="461665"/>
+          </a:xfrm>
+          <a:prstGeom prst="rect">
+            <a:avLst/>
+          </a:prstGeom>
+          <a:noFill/>
+        </p:spPr>
+        <p:txBody>
+          <a:bodyPr wrap="none" rtlCol="0">
+            <a:spAutoFit/>
+          </a:bodyPr>
+          <a:lstStyle/>
+          <a:p>
+            <a:r>
+              <a:rPr lang="en-US" sz="1200" dirty="0" smtClean="0">
+                <a:solidFill>
+                  <a:schemeClr val="tx2"/>
+                </a:solidFill>
+                <a:latin typeface="Comic Sans MS" panose="030F0702030302020204" pitchFamily="66" charset="0"/>
+              </a:rPr>
+              <a:t>True </a:t>
+            </a:r>
+            <a:r>
+              <a:rPr lang="en-US" sz="1200" dirty="0" err="1" smtClean="0">
+                <a:solidFill>
+                  <a:schemeClr val="tx2"/>
+                </a:solidFill>
+                <a:latin typeface="Comic Sans MS" panose="030F0702030302020204" pitchFamily="66" charset="0"/>
+              </a:rPr>
+              <a:t>accel</a:t>
+            </a:r>
+            <a:endParaRPr lang="en-US" sz="1200" dirty="0" smtClean="0">
+              <a:solidFill>
+                <a:schemeClr val="tx2"/>
+              </a:solidFill>
+              <a:latin typeface="Comic Sans MS" panose="030F0702030302020204" pitchFamily="66" charset="0"/>
+            </a:endParaRPr>
+          </a:p>
+          <a:p>
+            <a:r>
+              <a:rPr lang="en-US" sz="1200" dirty="0" smtClean="0">
+                <a:solidFill>
+                  <a:schemeClr val="tx2"/>
+                </a:solidFill>
+                <a:latin typeface="Comic Sans MS" panose="030F0702030302020204" pitchFamily="66" charset="0"/>
+              </a:rPr>
+              <a:t>&lt; 5hz</a:t>
+            </a:r>
+            <a:endParaRPr lang="en-US" sz="1200" dirty="0" smtClean="0">
+              <a:solidFill>
+                <a:schemeClr val="tx2"/>
+              </a:solidFill>
+              <a:latin typeface="Comic Sans MS" panose="030F0702030302020204" pitchFamily="66" charset="0"/>
+            </a:endParaRPr>
+          </a:p>
+        </p:txBody>
+      </p:sp>
     </p:spTree>
     <p:extLst>
       <p:ext uri="{BB962C8B-B14F-4D97-AF65-F5344CB8AC3E}">
@@ -4599,10 +4713,10 @@
         </p:nvGrpSpPr>
         <p:grpSpPr>
           <a:xfrm>
-            <a:off x="1651783" y="1370905"/>
-            <a:ext cx="1981200" cy="1295400"/>
+            <a:off x="1676400" y="1370904"/>
+            <a:ext cx="1981200" cy="1677096"/>
             <a:chOff x="3276600" y="914400"/>
-            <a:chExt cx="1981200" cy="1295400"/>
+            <a:chExt cx="1981200" cy="1357060"/>
           </a:xfrm>
         </p:grpSpPr>
         <p:sp>
@@ -4659,8 +4773,8 @@
           </p:nvSpPr>
           <p:spPr>
             <a:xfrm>
-              <a:off x="3657600" y="1847607"/>
-              <a:ext cx="1524000" cy="276999"/>
+              <a:off x="3657600" y="1809795"/>
+              <a:ext cx="1524000" cy="461665"/>
             </a:xfrm>
             <a:prstGeom prst="rect">
               <a:avLst/>
@@ -4675,7 +4789,25 @@
             <a:p>
               <a:r>
                 <a:rPr lang="en-US" sz="1200" b="1" dirty="0" smtClean="0"/>
-                <a:t>Motor Plant</a:t>
+                <a:t>Motor </a:t>
+              </a:r>
+              <a:r>
+                <a:rPr lang="en-US" sz="1200" b="1" dirty="0" smtClean="0"/>
+                <a:t>Plant</a:t>
+              </a:r>
+            </a:p>
+            <a:p>
+              <a:r>
+                <a:rPr lang="en-US" sz="1200" b="1" dirty="0" smtClean="0"/>
+                <a:t> w/</a:t>
+              </a:r>
+              <a:r>
+                <a:rPr lang="en-US" sz="1200" b="1" dirty="0" err="1" smtClean="0"/>
+                <a:t>Deadband</a:t>
+              </a:r>
+              <a:r>
+                <a:rPr lang="en-US" sz="1200" b="1" dirty="0" smtClean="0"/>
+                <a:t> Comp</a:t>
               </a:r>
               <a:endParaRPr lang="en-US" sz="1200" b="1" dirty="0" smtClean="0"/>
             </a:p>
@@ -4708,7 +4840,6 @@
                 <a:rPr lang="en-US" sz="1200" dirty="0" smtClean="0"/>
                 <a:t>Plant Status</a:t>
               </a:r>
-              <a:endParaRPr lang="en-US" sz="1200" dirty="0" smtClean="0"/>
             </a:p>
           </p:txBody>
         </p:sp>
@@ -4721,7 +4852,7 @@
         </p:nvGrpSpPr>
         <p:grpSpPr>
           <a:xfrm>
-            <a:off x="1637728" y="2939985"/>
+            <a:off x="1637728" y="3124200"/>
             <a:ext cx="1981200" cy="1295400"/>
             <a:chOff x="4953000" y="1690826"/>
             <a:chExt cx="1981200" cy="1295400"/>
@@ -4799,7 +4930,6 @@
                 <a:rPr lang="en-US" sz="1200" b="1" dirty="0" smtClean="0"/>
                 <a:t>Attitude Computer</a:t>
               </a:r>
-              <a:endParaRPr lang="en-US" sz="1200" b="1" dirty="0" smtClean="0"/>
             </a:p>
           </p:txBody>
         </p:sp>
@@ -4811,7 +4941,7 @@
           </p:nvSpPr>
           <p:spPr>
             <a:xfrm>
-              <a:off x="5715000" y="1919426"/>
+              <a:off x="5715000" y="1871027"/>
               <a:ext cx="1205145" cy="276999"/>
             </a:xfrm>
             <a:prstGeom prst="rect">
@@ -4837,15 +4967,13 @@
       <p:cxnSp>
         <p:nvCxnSpPr>
           <p:cNvPr id="24" name="Straight Arrow Connector 23"/>
-          <p:cNvCxnSpPr>
-            <a:stCxn id="13" idx="3"/>
-          </p:cNvCxnSpPr>
+          <p:cNvCxnSpPr/>
           <p:nvPr/>
         </p:nvCxnSpPr>
         <p:spPr>
-          <a:xfrm flipV="1">
-            <a:off x="3618928" y="1738004"/>
-            <a:ext cx="1779759" cy="1"/>
+          <a:xfrm>
+            <a:off x="3657600" y="1738004"/>
+            <a:ext cx="1741087" cy="1"/>
           </a:xfrm>
           <a:prstGeom prst="straightConnector1">
             <a:avLst/>
@@ -4955,7 +5083,6 @@
                 <a:rPr lang="en-US" sz="1200" b="1" dirty="0" smtClean="0"/>
                 <a:t>State Observer</a:t>
               </a:r>
-              <a:endParaRPr lang="en-US" sz="1200" b="1" dirty="0" smtClean="0"/>
             </a:p>
           </p:txBody>
         </p:sp>
@@ -5046,7 +5173,6 @@
                 <a:rPr lang="en-US" sz="1200" b="1" dirty="0" smtClean="0"/>
                 <a:t>Balance Regulator</a:t>
               </a:r>
-              <a:endParaRPr lang="en-US" sz="1200" b="1" dirty="0" smtClean="0"/>
             </a:p>
           </p:txBody>
         </p:sp>
@@ -5076,7 +5202,6 @@
                 <a:rPr lang="en-US" sz="1200" dirty="0" smtClean="0"/>
                 <a:t>Control Effort</a:t>
               </a:r>
-              <a:endParaRPr lang="en-US" sz="1200" dirty="0" smtClean="0"/>
             </a:p>
           </p:txBody>
         </p:sp>
@@ -5103,19 +5228,7 @@
           <a:p>
             <a:r>
               <a:rPr lang="en-US" dirty="0" smtClean="0"/>
-              <a:t>Mary </a:t>
-            </a:r>
-            <a:r>
-              <a:rPr lang="en-US" smtClean="0"/>
-              <a:t>Lou </a:t>
-            </a:r>
-            <a:r>
-              <a:rPr lang="en-US" smtClean="0"/>
-              <a:t>System </a:t>
-            </a:r>
-            <a:r>
-              <a:rPr lang="en-US" dirty="0" smtClean="0"/>
-              <a:t>Design</a:t>
+              <a:t>Mary Lou System Design</a:t>
             </a:r>
             <a:endParaRPr lang="en-US" dirty="0"/>
           </a:p>
@@ -5129,8 +5242,8 @@
         </p:nvCxnSpPr>
         <p:spPr>
           <a:xfrm>
-            <a:off x="3632983" y="3307084"/>
-            <a:ext cx="875824" cy="0"/>
+            <a:off x="3632983" y="3429000"/>
+            <a:ext cx="895160" cy="0"/>
           </a:xfrm>
           <a:prstGeom prst="line">
             <a:avLst/>
@@ -5158,9 +5271,9 @@
           <p:nvPr/>
         </p:nvCxnSpPr>
         <p:spPr>
-          <a:xfrm flipV="1">
+          <a:xfrm flipH="1" flipV="1">
             <a:off x="4508807" y="2209800"/>
-            <a:ext cx="0" cy="1097284"/>
+            <a:ext cx="19336" cy="1219200"/>
           </a:xfrm>
           <a:prstGeom prst="line">
             <a:avLst/>
@@ -5347,8 +5460,8 @@
         </p:nvCxnSpPr>
         <p:spPr>
           <a:xfrm flipH="1" flipV="1">
-            <a:off x="990600" y="4917545"/>
-            <a:ext cx="2517141" cy="1"/>
+            <a:off x="533400" y="4917545"/>
+            <a:ext cx="2974341" cy="1"/>
           </a:xfrm>
           <a:prstGeom prst="line">
             <a:avLst/>
@@ -5377,7 +5490,7 @@
         </p:nvCxnSpPr>
         <p:spPr>
           <a:xfrm flipV="1">
-            <a:off x="990600" y="1738699"/>
+            <a:off x="533400" y="1738699"/>
             <a:ext cx="0" cy="3178846"/>
           </a:xfrm>
           <a:prstGeom prst="line">
@@ -5401,14 +5514,14 @@
       </p:cxnSp>
       <p:cxnSp>
         <p:nvCxnSpPr>
-          <p:cNvPr id="49" name="Straight Arrow Connector 48"/>
+          <p:cNvPr id="10" name="Straight Arrow Connector 9"/>
           <p:cNvCxnSpPr/>
           <p:nvPr/>
         </p:nvCxnSpPr>
         <p:spPr>
-          <a:xfrm>
-            <a:off x="990600" y="1738005"/>
-            <a:ext cx="647128" cy="0"/>
+          <a:xfrm flipV="1">
+            <a:off x="533400" y="1738004"/>
+            <a:ext cx="1104328" cy="695"/>
           </a:xfrm>
           <a:prstGeom prst="straightConnector1">
             <a:avLst/>
@@ -5432,6 +5545,102 @@
           </a:fontRef>
         </p:style>
       </p:cxnSp>
+      <p:sp>
+        <p:nvSpPr>
+          <p:cNvPr id="12" name="TextBox 11"/>
+          <p:cNvSpPr txBox="1"/>
+          <p:nvPr/>
+        </p:nvSpPr>
+        <p:spPr>
+          <a:xfrm>
+            <a:off x="1812978" y="3411527"/>
+            <a:ext cx="1173500" cy="461665"/>
+          </a:xfrm>
+          <a:prstGeom prst="rect">
+            <a:avLst/>
+          </a:prstGeom>
+          <a:noFill/>
+        </p:spPr>
+        <p:txBody>
+          <a:bodyPr wrap="square" rtlCol="0">
+            <a:spAutoFit/>
+          </a:bodyPr>
+          <a:lstStyle/>
+          <a:p>
+            <a:r>
+              <a:rPr lang="en-US" sz="1200" dirty="0" err="1" smtClean="0"/>
+              <a:t>gw</a:t>
+            </a:r>
+            <a:r>
+              <a:rPr lang="en-US" sz="1200" dirty="0" smtClean="0"/>
+              <a:t>::Gyro&amp;</a:t>
+            </a:r>
+          </a:p>
+          <a:p>
+            <a:r>
+              <a:rPr lang="en-US" sz="1200" dirty="0" err="1" smtClean="0"/>
+              <a:t>gw</a:t>
+            </a:r>
+            <a:r>
+              <a:rPr lang="en-US" sz="1200" dirty="0" smtClean="0"/>
+              <a:t>::</a:t>
+            </a:r>
+            <a:r>
+              <a:rPr lang="en-US" sz="1200" dirty="0" err="1" smtClean="0"/>
+              <a:t>Accel</a:t>
+            </a:r>
+            <a:r>
+              <a:rPr lang="en-US" sz="1200" dirty="0" smtClean="0"/>
+              <a:t>&amp;</a:t>
+            </a:r>
+            <a:endParaRPr lang="en-US" sz="1200" dirty="0" smtClean="0"/>
+          </a:p>
+        </p:txBody>
+      </p:sp>
+      <p:sp>
+        <p:nvSpPr>
+          <p:cNvPr id="40" name="TextBox 39"/>
+          <p:cNvSpPr txBox="1"/>
+          <p:nvPr/>
+        </p:nvSpPr>
+        <p:spPr>
+          <a:xfrm>
+            <a:off x="1731280" y="1905000"/>
+            <a:ext cx="1392920" cy="461665"/>
+          </a:xfrm>
+          <a:prstGeom prst="rect">
+            <a:avLst/>
+          </a:prstGeom>
+          <a:noFill/>
+        </p:spPr>
+        <p:txBody>
+          <a:bodyPr wrap="square" rtlCol="0">
+            <a:spAutoFit/>
+          </a:bodyPr>
+          <a:lstStyle/>
+          <a:p>
+            <a:r>
+              <a:rPr lang="en-US" sz="1200" dirty="0" err="1" smtClean="0"/>
+              <a:t>gw</a:t>
+            </a:r>
+            <a:r>
+              <a:rPr lang="en-US" sz="1200" dirty="0" smtClean="0"/>
+              <a:t>::Motor*  x 2</a:t>
+            </a:r>
+          </a:p>
+          <a:p>
+            <a:r>
+              <a:rPr lang="en-US" sz="1200" dirty="0" err="1" smtClean="0"/>
+              <a:t>gw</a:t>
+            </a:r>
+            <a:r>
+              <a:rPr lang="en-US" sz="1200" dirty="0" smtClean="0"/>
+              <a:t>::Encoder* x 2</a:t>
+            </a:r>
+            <a:endParaRPr lang="en-US" sz="1200" dirty="0" smtClean="0"/>
+          </a:p>
+        </p:txBody>
+      </p:sp>
     </p:spTree>
     <p:extLst>
       <p:ext uri="{BB962C8B-B14F-4D97-AF65-F5344CB8AC3E}">
